--- a/DsDotNet/src/UnitTest/UnitTest.Engine/ImportOffice/Sample/Lib/tester.pptx
+++ b/DsDotNet/src/UnitTest/UnitTest.Engine/ImportOffice/Sample/Lib/tester.pptx
@@ -216,7 +216,7 @@
           <a:p>
             <a:fld id="{DD503887-5801-43A0-AEF9-041E8DDC2558}" type="datetimeFigureOut">
               <a:rPr lang="ko-KR" altLang="en-US" smtClean="0"/>
-              <a:t>2022-12-08</a:t>
+              <a:t>2023-01-23</a:t>
             </a:fld>
             <a:endParaRPr lang="ko-KR" altLang="en-US" dirty="0"/>
           </a:p>
@@ -393,7 +393,7 @@
           <a:p>
             <a:fld id="{95336A0E-57B1-4D4C-BD9B-2F72B5943464}" type="datetimeFigureOut">
               <a:rPr lang="ko-KR" altLang="en-US" smtClean="0"/>
-              <a:t>2022-12-08</a:t>
+              <a:t>2023-01-23</a:t>
             </a:fld>
             <a:endParaRPr lang="ko-KR" altLang="en-US" dirty="0"/>
           </a:p>
@@ -1031,7 +1031,7 @@
           <a:p>
             <a:fld id="{229D12C7-0FF5-4972-A033-474EFFC79F40}" type="datetime1">
               <a:rPr lang="ko-KR" altLang="en-US" smtClean="0"/>
-              <a:t>2022-12-08</a:t>
+              <a:t>2023-01-23</a:t>
             </a:fld>
             <a:endParaRPr lang="ko-KR" altLang="en-US" dirty="0"/>
           </a:p>
@@ -1349,7 +1349,7 @@
           <a:p>
             <a:fld id="{C984B0C4-64BA-4E4C-B5E6-A51EE3F6ED95}" type="datetime1">
               <a:rPr lang="ko-KR" altLang="en-US" smtClean="0"/>
-              <a:t>2022-12-08</a:t>
+              <a:t>2023-01-23</a:t>
             </a:fld>
             <a:endParaRPr lang="ko-KR" altLang="en-US" dirty="0"/>
           </a:p>
@@ -1838,7 +1838,7 @@
           <a:p>
             <a:fld id="{C984B0C4-64BA-4E4C-B5E6-A51EE3F6ED95}" type="datetime1">
               <a:rPr lang="ko-KR" altLang="en-US" smtClean="0"/>
-              <a:t>2022-12-08</a:t>
+              <a:t>2023-01-23</a:t>
             </a:fld>
             <a:endParaRPr lang="ko-KR" altLang="en-US" dirty="0"/>
           </a:p>
@@ -2208,7 +2208,7 @@
           <a:p>
             <a:fld id="{C984B0C4-64BA-4E4C-B5E6-A51EE3F6ED95}" type="datetime1">
               <a:rPr lang="ko-KR" altLang="en-US" smtClean="0"/>
-              <a:t>2022-12-08</a:t>
+              <a:t>2023-01-23</a:t>
             </a:fld>
             <a:endParaRPr lang="ko-KR" altLang="en-US" dirty="0"/>
           </a:p>
@@ -2482,7 +2482,7 @@
           <a:p>
             <a:fld id="{5BA19FD4-B052-4F56-8FD8-EAFD078DEFB0}" type="datetime1">
               <a:rPr lang="ko-KR" altLang="en-US" smtClean="0"/>
-              <a:t>2022-12-08</a:t>
+              <a:t>2023-01-23</a:t>
             </a:fld>
             <a:endParaRPr lang="ko-KR" altLang="en-US" dirty="0"/>
           </a:p>
@@ -2767,7 +2767,7 @@
           <a:p>
             <a:fld id="{024994B9-23A6-4B0A-A038-AC140E83DAA3}" type="datetime1">
               <a:rPr lang="ko-KR" altLang="en-US" smtClean="0"/>
-              <a:t>2022-12-08</a:t>
+              <a:t>2023-01-23</a:t>
             </a:fld>
             <a:endParaRPr lang="ko-KR" altLang="en-US" dirty="0"/>
           </a:p>
@@ -2897,7 +2897,7 @@
           <a:p>
             <a:fld id="{B5B1BBC2-B738-4C35-AEE5-660EB2DEB482}" type="datetime1">
               <a:rPr lang="ko-KR" altLang="en-US" smtClean="0"/>
-              <a:t>2022-12-08</a:t>
+              <a:t>2023-01-23</a:t>
             </a:fld>
             <a:endParaRPr lang="ko-KR" altLang="en-US" dirty="0"/>
           </a:p>
@@ -7661,7 +7661,7 @@
           <a:p>
             <a:fld id="{70D0DAB2-87CB-4028-B965-3AA710ADF2CB}" type="datetime1">
               <a:rPr lang="ko-KR" altLang="en-US" smtClean="0"/>
-              <a:t>2022-12-08</a:t>
+              <a:t>2023-01-23</a:t>
             </a:fld>
             <a:endParaRPr lang="ko-KR" altLang="en-US" dirty="0"/>
           </a:p>
@@ -8004,7 +8004,7 @@
           <a:p>
             <a:fld id="{63FA3D71-FEA8-477F-9D1E-EA860F411BC7}" type="datetime1">
               <a:rPr lang="ko-KR" altLang="en-US" smtClean="0"/>
-              <a:t>2022-12-08</a:t>
+              <a:t>2023-01-23</a:t>
             </a:fld>
             <a:endParaRPr lang="ko-KR" altLang="en-US" dirty="0"/>
           </a:p>
@@ -8343,7 +8343,7 @@
           <a:p>
             <a:fld id="{F58E3EF4-7980-4C97-BA64-EC66995BB574}" type="datetime1">
               <a:rPr lang="ko-KR" altLang="en-US" smtClean="0"/>
-              <a:t>2022-12-08</a:t>
+              <a:t>2023-01-23</a:t>
             </a:fld>
             <a:endParaRPr lang="ko-KR" altLang="en-US" dirty="0"/>
           </a:p>
@@ -8820,7 +8820,7 @@
           <a:p>
             <a:fld id="{FC9BC1D0-7D6B-4634-9D19-644040D74EAE}" type="datetime1">
               <a:rPr lang="ko-KR" altLang="en-US" smtClean="0"/>
-              <a:t>2022-12-08</a:t>
+              <a:t>2023-01-23</a:t>
             </a:fld>
             <a:endParaRPr lang="ko-KR" altLang="en-US" dirty="0"/>
           </a:p>
@@ -9041,7 +9041,7 @@
           <a:p>
             <a:fld id="{B5B1BBC2-B738-4C35-AEE5-660EB2DEB482}" type="datetime1">
               <a:rPr lang="ko-KR" altLang="en-US" smtClean="0"/>
-              <a:t>2022-12-08</a:t>
+              <a:t>2023-01-23</a:t>
             </a:fld>
             <a:endParaRPr lang="ko-KR" altLang="en-US" dirty="0"/>
           </a:p>
@@ -13605,7 +13605,7 @@
           <a:p>
             <a:fld id="{C60E9F93-7E77-4F36-B88C-A425F00C8D91}" type="datetime1">
               <a:rPr lang="ko-KR" altLang="en-US" smtClean="0"/>
-              <a:t>2022-12-08</a:t>
+              <a:t>2023-01-23</a:t>
             </a:fld>
             <a:endParaRPr lang="ko-KR" altLang="en-US" dirty="0"/>
           </a:p>
@@ -14072,7 +14072,7 @@
           <a:p>
             <a:fld id="{36BCCD0E-2A54-4016-BFFC-FEAABCDA6915}" type="datetime1">
               <a:rPr lang="ko-KR" altLang="en-US" smtClean="0"/>
-              <a:t>2022-12-08</a:t>
+              <a:t>2023-01-23</a:t>
             </a:fld>
             <a:endParaRPr lang="ko-KR" altLang="en-US" dirty="0"/>
           </a:p>
@@ -14385,7 +14385,7 @@
           <a:p>
             <a:fld id="{C984B0C4-64BA-4E4C-B5E6-A51EE3F6ED95}" type="datetime1">
               <a:rPr lang="ko-KR" altLang="en-US" smtClean="0"/>
-              <a:t>2022-12-08</a:t>
+              <a:t>2023-01-23</a:t>
             </a:fld>
             <a:endParaRPr lang="ko-KR" altLang="en-US" dirty="0"/>
           </a:p>
@@ -14656,7 +14656,7 @@
           <a:p>
             <a:fld id="{C984B0C4-64BA-4E4C-B5E6-A51EE3F6ED95}" type="datetime1">
               <a:rPr lang="ko-KR" altLang="en-US" smtClean="0"/>
-              <a:t>2022-12-08</a:t>
+              <a:t>2023-01-23</a:t>
             </a:fld>
             <a:endParaRPr lang="ko-KR" altLang="en-US" dirty="0"/>
           </a:p>
@@ -15238,8 +15238,8 @@
         </p:nvSpPr>
         <p:spPr>
           <a:xfrm>
-            <a:off x="11144250" y="2376920"/>
-            <a:ext cx="1047750" cy="619125"/>
+            <a:off x="9670211" y="2376920"/>
+            <a:ext cx="2521789" cy="619125"/>
           </a:xfrm>
           <a:prstGeom prst="homePlate">
             <a:avLst/>
@@ -15267,10 +15267,38 @@
           <a:p>
             <a:pPr algn="ctr"/>
             <a:r>
-              <a:rPr lang="en-US" altLang="ko-KR" dirty="0"/>
+              <a:rPr lang="en-US" altLang="ko-KR" sz="1800" dirty="0" err="1">
+                <a:ea typeface="현대하모니 M" panose="02020603020101020101"/>
+              </a:rPr>
               <a:t>Func1</a:t>
             </a:r>
-            <a:endParaRPr lang="ko-KR" altLang="en-US" dirty="0"/>
+            <a:endParaRPr lang="en-US" altLang="ko-KR" sz="1800" dirty="0">
+              <a:ea typeface="현대하모니 M" panose="02020603020101020101"/>
+            </a:endParaRPr>
+          </a:p>
+          <a:p>
+            <a:pPr algn="ctr"/>
+            <a:r>
+              <a:rPr lang="en-US" altLang="ko-KR" sz="1800" dirty="0">
+                <a:ea typeface="현대하모니 M" panose="02020603020101020101"/>
+              </a:rPr>
+              <a:t>[</a:t>
+            </a:r>
+            <a:r>
+              <a:rPr lang="en-US" altLang="ko-KR" sz="1800" dirty="0" err="1">
+                <a:ea typeface="현대하모니 M" panose="02020603020101020101"/>
+              </a:rPr>
+              <a:t>R1~R2</a:t>
+            </a:r>
+            <a:r>
+              <a:rPr lang="en-US" altLang="ko-KR" sz="1800" dirty="0">
+                <a:ea typeface="현대하모니 M" panose="02020603020101020101"/>
+              </a:rPr>
+              <a:t>]</a:t>
+            </a:r>
+            <a:endParaRPr lang="ko-KR" altLang="en-US" sz="1800" dirty="0">
+              <a:ea typeface="현대하모니 M" panose="02020603020101020101"/>
+            </a:endParaRPr>
           </a:p>
         </p:txBody>
       </p:sp>
@@ -15288,8 +15316,8 @@
         </p:nvSpPr>
         <p:spPr>
           <a:xfrm>
-            <a:off x="11144250" y="3269890"/>
-            <a:ext cx="1047750" cy="619125"/>
+            <a:off x="9670211" y="3269890"/>
+            <a:ext cx="2521789" cy="619125"/>
           </a:xfrm>
           <a:prstGeom prst="homePlate">
             <a:avLst/>
@@ -15317,8 +15345,124 @@
           <a:p>
             <a:pPr algn="ctr"/>
             <a:r>
+              <a:rPr lang="en-US" altLang="ko-KR" sz="1800" dirty="0" err="1">
+                <a:ea typeface="현대하모니 M" panose="02020603020101020101"/>
+              </a:rPr>
+              <a:t>Func2</a:t>
+            </a:r>
+            <a:endParaRPr lang="en-US" altLang="ko-KR" sz="1800" dirty="0">
+              <a:ea typeface="현대하모니 M" panose="02020603020101020101"/>
+            </a:endParaRPr>
+          </a:p>
+          <a:p>
+            <a:pPr algn="ctr"/>
+            <a:r>
+              <a:rPr lang="en-US" altLang="ko-KR" sz="1800" dirty="0">
+                <a:ea typeface="현대하모니 M" panose="02020603020101020101"/>
+              </a:rPr>
+              <a:t>[~R2]</a:t>
+            </a:r>
+            <a:endParaRPr lang="ko-KR" altLang="en-US" sz="1800" dirty="0">
+              <a:ea typeface="현대하모니 M" panose="02020603020101020101"/>
+            </a:endParaRPr>
+          </a:p>
+        </p:txBody>
+      </p:sp>
+      <p:sp>
+        <p:nvSpPr>
+          <p:cNvPr id="3" name="직사각형 2">
+            <a:extLst>
+              <a:ext uri="{FF2B5EF4-FFF2-40B4-BE49-F238E27FC236}">
+                <a16:creationId xmlns:a16="http://schemas.microsoft.com/office/drawing/2014/main" id="{1B4A42D3-42AD-63D8-82FF-EF21D36F0CDD}"/>
+              </a:ext>
+            </a:extLst>
+          </p:cNvPr>
+          <p:cNvSpPr/>
+          <p:nvPr/>
+        </p:nvSpPr>
+        <p:spPr>
+          <a:xfrm>
+            <a:off x="3717985" y="4054415"/>
+            <a:ext cx="1561381" cy="888521"/>
+          </a:xfrm>
+          <a:prstGeom prst="rect">
+            <a:avLst/>
+          </a:prstGeom>
+        </p:spPr>
+        <p:style>
+          <a:lnRef idx="2">
+            <a:schemeClr val="accent1">
+              <a:shade val="50000"/>
+            </a:schemeClr>
+          </a:lnRef>
+          <a:fillRef idx="1">
+            <a:schemeClr val="accent1"/>
+          </a:fillRef>
+          <a:effectRef idx="0">
+            <a:schemeClr val="accent1"/>
+          </a:effectRef>
+          <a:fontRef idx="minor">
+            <a:schemeClr val="lt1"/>
+          </a:fontRef>
+        </p:style>
+        <p:txBody>
+          <a:bodyPr rtlCol="0" anchor="ctr"/>
+          <a:lstStyle/>
+          <a:p>
+            <a:pPr algn="ctr"/>
+            <a:r>
               <a:rPr lang="en-US" altLang="ko-KR" dirty="0"/>
-              <a:t>Func2</a:t>
+              <a:t>R1</a:t>
+            </a:r>
+            <a:endParaRPr lang="ko-KR" altLang="en-US" dirty="0"/>
+          </a:p>
+        </p:txBody>
+      </p:sp>
+      <p:sp>
+        <p:nvSpPr>
+          <p:cNvPr id="6" name="직사각형 5">
+            <a:extLst>
+              <a:ext uri="{FF2B5EF4-FFF2-40B4-BE49-F238E27FC236}">
+                <a16:creationId xmlns:a16="http://schemas.microsoft.com/office/drawing/2014/main" id="{62DABB6C-5625-8B0B-88E2-AAEB1BF9F481}"/>
+              </a:ext>
+            </a:extLst>
+          </p:cNvPr>
+          <p:cNvSpPr/>
+          <p:nvPr/>
+        </p:nvSpPr>
+        <p:spPr>
+          <a:xfrm>
+            <a:off x="7246188" y="3062377"/>
+            <a:ext cx="1561381" cy="888521"/>
+          </a:xfrm>
+          <a:prstGeom prst="rect">
+            <a:avLst/>
+          </a:prstGeom>
+        </p:spPr>
+        <p:style>
+          <a:lnRef idx="2">
+            <a:schemeClr val="accent1">
+              <a:shade val="50000"/>
+            </a:schemeClr>
+          </a:lnRef>
+          <a:fillRef idx="1">
+            <a:schemeClr val="accent1"/>
+          </a:fillRef>
+          <a:effectRef idx="0">
+            <a:schemeClr val="accent1"/>
+          </a:effectRef>
+          <a:fontRef idx="minor">
+            <a:schemeClr val="lt1"/>
+          </a:fontRef>
+        </p:style>
+        <p:txBody>
+          <a:bodyPr rtlCol="0" anchor="ctr"/>
+          <a:lstStyle/>
+          <a:p>
+            <a:pPr algn="ctr"/>
+            <a:r>
+              <a:rPr lang="en-US" altLang="ko-KR" dirty="0"/>
+              <a:t>R2</a:t>
             </a:r>
             <a:endParaRPr lang="ko-KR" altLang="en-US" dirty="0"/>
           </a:p>
